--- a/chapter-01/05-persistentvolumes/01_05_persistentvolumes.pptx
+++ b/chapter-01/05-persistentvolumes/01_05_persistentvolumes.pptx
@@ -17,11 +17,12 @@
     <p:sldMasterId id="2147483674" r:id="rId13"/>
   </p:sldMasterIdLst>
   <p:notesMasterIdLst>
-    <p:notesMasterId r:id="rId16"/>
+    <p:notesMasterId r:id="rId17"/>
   </p:notesMasterIdLst>
   <p:sldIdLst>
     <p:sldId id="259" r:id="rId14"/>
-    <p:sldId id="296" r:id="rId15"/>
+    <p:sldId id="297" r:id="rId15"/>
+    <p:sldId id="296" r:id="rId16"/>
   </p:sldIdLst>
   <p:sldSz cx="12192000" cy="6858000"/>
   <p:notesSz cx="9144000" cy="6858000"/>
@@ -258,7 +259,7 @@
           <a:p>
             <a:fld id="{7C2A2C10-8C9F-9B42-9862-A5B84F1CAB8B}" type="datetimeFigureOut">
               <a:rPr lang="en-US" smtClean="0"/>
-              <a:t>4/12/2023</a:t>
+              <a:t>4/15/2023</a:t>
             </a:fld>
             <a:endParaRPr lang="en-US"/>
           </a:p>
@@ -15330,6 +15331,507 @@
           <p:cNvPr id="4" name="Title 3">
             <a:extLst>
               <a:ext uri="{FF2B5EF4-FFF2-40B4-BE49-F238E27FC236}">
+                <a16:creationId xmlns:a16="http://schemas.microsoft.com/office/drawing/2014/main" id="{F9074C2D-276A-EC0F-DE6F-F0815A07A20C}"/>
+              </a:ext>
+            </a:extLst>
+          </p:cNvPr>
+          <p:cNvSpPr>
+            <a:spLocks noGrp="1"/>
+          </p:cNvSpPr>
+          <p:nvPr>
+            <p:ph type="title"/>
+          </p:nvPr>
+        </p:nvSpPr>
+        <p:spPr/>
+        <p:txBody>
+          <a:bodyPr/>
+          <a:lstStyle/>
+          <a:p>
+            <a:r>
+              <a:rPr lang="en-US" dirty="0"/>
+              <a:t>Persistent volumes</a:t>
+            </a:r>
+          </a:p>
+        </p:txBody>
+      </p:sp>
+      <p:grpSp>
+        <p:nvGrpSpPr>
+          <p:cNvPr id="13" name="Group 12">
+            <a:extLst>
+              <a:ext uri="{FF2B5EF4-FFF2-40B4-BE49-F238E27FC236}">
+                <a16:creationId xmlns:a16="http://schemas.microsoft.com/office/drawing/2014/main" id="{2125183A-C50F-1F7E-2201-A6475030AF3D}"/>
+              </a:ext>
+            </a:extLst>
+          </p:cNvPr>
+          <p:cNvGrpSpPr/>
+          <p:nvPr/>
+        </p:nvGrpSpPr>
+        <p:grpSpPr>
+          <a:xfrm>
+            <a:off x="1254151" y="2602379"/>
+            <a:ext cx="9683697" cy="1653241"/>
+            <a:chOff x="1254150" y="2602379"/>
+            <a:chExt cx="9683697" cy="1653241"/>
+          </a:xfrm>
+        </p:grpSpPr>
+        <p:sp>
+          <p:nvSpPr>
+            <p:cNvPr id="5" name="Rectangle 4">
+              <a:extLst>
+                <a:ext uri="{FF2B5EF4-FFF2-40B4-BE49-F238E27FC236}">
+                  <a16:creationId xmlns:a16="http://schemas.microsoft.com/office/drawing/2014/main" id="{9411C823-30E7-8B01-D6AF-5B6AC42C2A49}"/>
+                </a:ext>
+              </a:extLst>
+            </p:cNvPr>
+            <p:cNvSpPr/>
+            <p:nvPr/>
+          </p:nvSpPr>
+          <p:spPr>
+            <a:xfrm>
+              <a:off x="1254150" y="2602379"/>
+              <a:ext cx="2205790" cy="1593429"/>
+            </a:xfrm>
+            <a:prstGeom prst="rect">
+              <a:avLst/>
+            </a:prstGeom>
+            <a:noFill/>
+            <a:ln>
+              <a:solidFill>
+                <a:schemeClr val="accent1">
+                  <a:lumMod val="75000"/>
+                </a:schemeClr>
+              </a:solidFill>
+            </a:ln>
+          </p:spPr>
+          <p:style>
+            <a:lnRef idx="2">
+              <a:schemeClr val="accent1">
+                <a:shade val="50000"/>
+              </a:schemeClr>
+            </a:lnRef>
+            <a:fillRef idx="1">
+              <a:schemeClr val="accent1"/>
+            </a:fillRef>
+            <a:effectRef idx="0">
+              <a:schemeClr val="accent1"/>
+            </a:effectRef>
+            <a:fontRef idx="minor">
+              <a:schemeClr val="lt1"/>
+            </a:fontRef>
+          </p:style>
+          <p:txBody>
+            <a:bodyPr rtlCol="0" anchor="t"/>
+            <a:lstStyle/>
+            <a:p>
+              <a:r>
+                <a:rPr lang="en-US" dirty="0">
+                  <a:solidFill>
+                    <a:srgbClr val="0070C0"/>
+                  </a:solidFill>
+                  <a:latin typeface="Source Sans Pro" panose="020B0503030403020204" pitchFamily="34" charset="0"/>
+                  <a:ea typeface="Source Sans Pro" panose="020B0503030403020204" pitchFamily="34" charset="0"/>
+                </a:rPr>
+                <a:t>Pod</a:t>
+              </a:r>
+            </a:p>
+          </p:txBody>
+        </p:sp>
+        <p:sp>
+          <p:nvSpPr>
+            <p:cNvPr id="6" name="Cylinder 5">
+              <a:extLst>
+                <a:ext uri="{FF2B5EF4-FFF2-40B4-BE49-F238E27FC236}">
+                  <a16:creationId xmlns:a16="http://schemas.microsoft.com/office/drawing/2014/main" id="{2C0043A9-12C4-36B5-8D8B-837CC9A105E4}"/>
+                </a:ext>
+              </a:extLst>
+            </p:cNvPr>
+            <p:cNvSpPr/>
+            <p:nvPr/>
+          </p:nvSpPr>
+          <p:spPr>
+            <a:xfrm>
+              <a:off x="1521813" y="3260835"/>
+              <a:ext cx="1670464" cy="515806"/>
+            </a:xfrm>
+            <a:prstGeom prst="can">
+              <a:avLst/>
+            </a:prstGeom>
+            <a:solidFill>
+              <a:srgbClr val="0070C0"/>
+            </a:solidFill>
+            <a:ln>
+              <a:noFill/>
+            </a:ln>
+          </p:spPr>
+          <p:style>
+            <a:lnRef idx="2">
+              <a:schemeClr val="accent1">
+                <a:shade val="50000"/>
+              </a:schemeClr>
+            </a:lnRef>
+            <a:fillRef idx="1">
+              <a:schemeClr val="accent1"/>
+            </a:fillRef>
+            <a:effectRef idx="0">
+              <a:schemeClr val="accent1"/>
+            </a:effectRef>
+            <a:fontRef idx="minor">
+              <a:schemeClr val="lt1"/>
+            </a:fontRef>
+          </p:style>
+          <p:txBody>
+            <a:bodyPr rtlCol="0" anchor="ctr"/>
+            <a:lstStyle/>
+            <a:p>
+              <a:pPr algn="ctr"/>
+              <a:r>
+                <a:rPr lang="en-US" dirty="0">
+                  <a:latin typeface="Source Sans Pro" panose="020B0503030403020204" pitchFamily="34" charset="0"/>
+                  <a:ea typeface="Source Sans Pro" panose="020B0503030403020204" pitchFamily="34" charset="0"/>
+                </a:rPr>
+                <a:t>Volume</a:t>
+              </a:r>
+            </a:p>
+          </p:txBody>
+        </p:sp>
+        <p:sp>
+          <p:nvSpPr>
+            <p:cNvPr id="7" name="Rectangle 6">
+              <a:extLst>
+                <a:ext uri="{FF2B5EF4-FFF2-40B4-BE49-F238E27FC236}">
+                  <a16:creationId xmlns:a16="http://schemas.microsoft.com/office/drawing/2014/main" id="{F067E2D8-34C5-E9B9-8F7A-0E2E538D6979}"/>
+                </a:ext>
+              </a:extLst>
+            </p:cNvPr>
+            <p:cNvSpPr/>
+            <p:nvPr/>
+          </p:nvSpPr>
+          <p:spPr>
+            <a:xfrm>
+              <a:off x="4251937" y="3260835"/>
+              <a:ext cx="1715153" cy="515806"/>
+            </a:xfrm>
+            <a:prstGeom prst="rect">
+              <a:avLst/>
+            </a:prstGeom>
+            <a:solidFill>
+              <a:srgbClr val="0070C0"/>
+            </a:solidFill>
+            <a:ln>
+              <a:noFill/>
+            </a:ln>
+          </p:spPr>
+          <p:style>
+            <a:lnRef idx="2">
+              <a:schemeClr val="accent1">
+                <a:shade val="50000"/>
+              </a:schemeClr>
+            </a:lnRef>
+            <a:fillRef idx="1">
+              <a:schemeClr val="accent1"/>
+            </a:fillRef>
+            <a:effectRef idx="0">
+              <a:schemeClr val="accent1"/>
+            </a:effectRef>
+            <a:fontRef idx="minor">
+              <a:schemeClr val="lt1"/>
+            </a:fontRef>
+          </p:style>
+          <p:txBody>
+            <a:bodyPr rtlCol="0" anchor="ctr"/>
+            <a:lstStyle/>
+            <a:p>
+              <a:pPr algn="ctr"/>
+              <a:r>
+                <a:rPr lang="en-US" dirty="0">
+                  <a:latin typeface="Source Sans Pro" panose="020B0503030403020204" pitchFamily="34" charset="0"/>
+                  <a:ea typeface="Source Sans Pro" panose="020B0503030403020204" pitchFamily="34" charset="0"/>
+                </a:rPr>
+                <a:t>PVC</a:t>
+              </a:r>
+            </a:p>
+          </p:txBody>
+        </p:sp>
+        <p:sp>
+          <p:nvSpPr>
+            <p:cNvPr id="8" name="Rectangle 7">
+              <a:extLst>
+                <a:ext uri="{FF2B5EF4-FFF2-40B4-BE49-F238E27FC236}">
+                  <a16:creationId xmlns:a16="http://schemas.microsoft.com/office/drawing/2014/main" id="{A063CA7A-52F2-9FC4-83DA-9D8AE2D57838}"/>
+                </a:ext>
+              </a:extLst>
+            </p:cNvPr>
+            <p:cNvSpPr/>
+            <p:nvPr/>
+          </p:nvSpPr>
+          <p:spPr>
+            <a:xfrm>
+              <a:off x="6759087" y="3260835"/>
+              <a:ext cx="1715153" cy="515806"/>
+            </a:xfrm>
+            <a:prstGeom prst="rect">
+              <a:avLst/>
+            </a:prstGeom>
+            <a:solidFill>
+              <a:srgbClr val="0070C0"/>
+            </a:solidFill>
+            <a:ln>
+              <a:noFill/>
+            </a:ln>
+          </p:spPr>
+          <p:style>
+            <a:lnRef idx="2">
+              <a:schemeClr val="accent1">
+                <a:shade val="50000"/>
+              </a:schemeClr>
+            </a:lnRef>
+            <a:fillRef idx="1">
+              <a:schemeClr val="accent1"/>
+            </a:fillRef>
+            <a:effectRef idx="0">
+              <a:schemeClr val="accent1"/>
+            </a:effectRef>
+            <a:fontRef idx="minor">
+              <a:schemeClr val="lt1"/>
+            </a:fontRef>
+          </p:style>
+          <p:txBody>
+            <a:bodyPr rtlCol="0" anchor="ctr"/>
+            <a:lstStyle/>
+            <a:p>
+              <a:pPr algn="ctr"/>
+              <a:r>
+                <a:rPr lang="en-US" dirty="0">
+                  <a:latin typeface="Source Sans Pro" panose="020B0503030403020204" pitchFamily="34" charset="0"/>
+                  <a:ea typeface="Source Sans Pro" panose="020B0503030403020204" pitchFamily="34" charset="0"/>
+                </a:rPr>
+                <a:t>PV</a:t>
+              </a:r>
+            </a:p>
+          </p:txBody>
+        </p:sp>
+        <p:sp>
+          <p:nvSpPr>
+            <p:cNvPr id="9" name="Cylinder 8">
+              <a:extLst>
+                <a:ext uri="{FF2B5EF4-FFF2-40B4-BE49-F238E27FC236}">
+                  <a16:creationId xmlns:a16="http://schemas.microsoft.com/office/drawing/2014/main" id="{95541AEA-8484-802C-0A72-5242911A2746}"/>
+                </a:ext>
+              </a:extLst>
+            </p:cNvPr>
+            <p:cNvSpPr/>
+            <p:nvPr/>
+          </p:nvSpPr>
+          <p:spPr>
+            <a:xfrm>
+              <a:off x="9267383" y="2781856"/>
+              <a:ext cx="1670464" cy="1473764"/>
+            </a:xfrm>
+            <a:prstGeom prst="can">
+              <a:avLst/>
+            </a:prstGeom>
+            <a:solidFill>
+              <a:srgbClr val="0070C0"/>
+            </a:solidFill>
+            <a:ln>
+              <a:noFill/>
+            </a:ln>
+          </p:spPr>
+          <p:style>
+            <a:lnRef idx="2">
+              <a:schemeClr val="accent1">
+                <a:shade val="50000"/>
+              </a:schemeClr>
+            </a:lnRef>
+            <a:fillRef idx="1">
+              <a:schemeClr val="accent1"/>
+            </a:fillRef>
+            <a:effectRef idx="0">
+              <a:schemeClr val="accent1"/>
+            </a:effectRef>
+            <a:fontRef idx="minor">
+              <a:schemeClr val="lt1"/>
+            </a:fontRef>
+          </p:style>
+          <p:txBody>
+            <a:bodyPr rtlCol="0" anchor="ctr"/>
+            <a:lstStyle/>
+            <a:p>
+              <a:pPr algn="ctr"/>
+              <a:r>
+                <a:rPr lang="en-US" dirty="0">
+                  <a:latin typeface="Source Sans Pro" panose="020B0503030403020204" pitchFamily="34" charset="0"/>
+                  <a:ea typeface="Source Sans Pro" panose="020B0503030403020204" pitchFamily="34" charset="0"/>
+                </a:rPr>
+                <a:t>Persistent storage</a:t>
+              </a:r>
+            </a:p>
+          </p:txBody>
+        </p:sp>
+        <p:cxnSp>
+          <p:nvCxnSpPr>
+            <p:cNvPr id="10" name="Straight Arrow Connector 9">
+              <a:extLst>
+                <a:ext uri="{FF2B5EF4-FFF2-40B4-BE49-F238E27FC236}">
+                  <a16:creationId xmlns:a16="http://schemas.microsoft.com/office/drawing/2014/main" id="{2B98D395-E046-D956-40D9-5B2A85DC5D88}"/>
+                </a:ext>
+              </a:extLst>
+            </p:cNvPr>
+            <p:cNvCxnSpPr>
+              <a:stCxn id="6" idx="4"/>
+              <a:endCxn id="7" idx="1"/>
+            </p:cNvCxnSpPr>
+            <p:nvPr/>
+          </p:nvCxnSpPr>
+          <p:spPr>
+            <a:xfrm>
+              <a:off x="3192277" y="3518738"/>
+              <a:ext cx="1059660" cy="0"/>
+            </a:xfrm>
+            <a:prstGeom prst="straightConnector1">
+              <a:avLst/>
+            </a:prstGeom>
+            <a:ln w="19050">
+              <a:tailEnd type="triangle"/>
+            </a:ln>
+          </p:spPr>
+          <p:style>
+            <a:lnRef idx="1">
+              <a:schemeClr val="accent1"/>
+            </a:lnRef>
+            <a:fillRef idx="0">
+              <a:schemeClr val="accent1"/>
+            </a:fillRef>
+            <a:effectRef idx="0">
+              <a:schemeClr val="accent1"/>
+            </a:effectRef>
+            <a:fontRef idx="minor">
+              <a:schemeClr val="tx1"/>
+            </a:fontRef>
+          </p:style>
+        </p:cxnSp>
+        <p:cxnSp>
+          <p:nvCxnSpPr>
+            <p:cNvPr id="11" name="Straight Arrow Connector 10">
+              <a:extLst>
+                <a:ext uri="{FF2B5EF4-FFF2-40B4-BE49-F238E27FC236}">
+                  <a16:creationId xmlns:a16="http://schemas.microsoft.com/office/drawing/2014/main" id="{A208C803-CA50-44B2-80AA-B56B4B940E74}"/>
+                </a:ext>
+              </a:extLst>
+            </p:cNvPr>
+            <p:cNvCxnSpPr>
+              <a:cxnSpLocks/>
+              <a:stCxn id="7" idx="3"/>
+              <a:endCxn id="8" idx="1"/>
+            </p:cNvCxnSpPr>
+            <p:nvPr/>
+          </p:nvCxnSpPr>
+          <p:spPr>
+            <a:xfrm>
+              <a:off x="5967090" y="3518738"/>
+              <a:ext cx="791997" cy="0"/>
+            </a:xfrm>
+            <a:prstGeom prst="straightConnector1">
+              <a:avLst/>
+            </a:prstGeom>
+            <a:ln w="19050">
+              <a:tailEnd type="triangle"/>
+            </a:ln>
+          </p:spPr>
+          <p:style>
+            <a:lnRef idx="1">
+              <a:schemeClr val="accent1"/>
+            </a:lnRef>
+            <a:fillRef idx="0">
+              <a:schemeClr val="accent1"/>
+            </a:fillRef>
+            <a:effectRef idx="0">
+              <a:schemeClr val="accent1"/>
+            </a:effectRef>
+            <a:fontRef idx="minor">
+              <a:schemeClr val="tx1"/>
+            </a:fontRef>
+          </p:style>
+        </p:cxnSp>
+        <p:cxnSp>
+          <p:nvCxnSpPr>
+            <p:cNvPr id="12" name="Straight Arrow Connector 11">
+              <a:extLst>
+                <a:ext uri="{FF2B5EF4-FFF2-40B4-BE49-F238E27FC236}">
+                  <a16:creationId xmlns:a16="http://schemas.microsoft.com/office/drawing/2014/main" id="{B31A47B1-4C12-3904-11BF-C150F194F6AC}"/>
+                </a:ext>
+              </a:extLst>
+            </p:cNvPr>
+            <p:cNvCxnSpPr>
+              <a:cxnSpLocks/>
+              <a:stCxn id="8" idx="3"/>
+              <a:endCxn id="9" idx="2"/>
+            </p:cNvCxnSpPr>
+            <p:nvPr/>
+          </p:nvCxnSpPr>
+          <p:spPr>
+            <a:xfrm>
+              <a:off x="8474240" y="3518738"/>
+              <a:ext cx="793143" cy="0"/>
+            </a:xfrm>
+            <a:prstGeom prst="straightConnector1">
+              <a:avLst/>
+            </a:prstGeom>
+            <a:ln w="19050">
+              <a:tailEnd type="triangle"/>
+            </a:ln>
+          </p:spPr>
+          <p:style>
+            <a:lnRef idx="1">
+              <a:schemeClr val="accent1"/>
+            </a:lnRef>
+            <a:fillRef idx="0">
+              <a:schemeClr val="accent1"/>
+            </a:fillRef>
+            <a:effectRef idx="0">
+              <a:schemeClr val="accent1"/>
+            </a:effectRef>
+            <a:fontRef idx="minor">
+              <a:schemeClr val="tx1"/>
+            </a:fontRef>
+          </p:style>
+        </p:cxnSp>
+      </p:grpSp>
+    </p:spTree>
+    <p:extLst>
+      <p:ext uri="{BB962C8B-B14F-4D97-AF65-F5344CB8AC3E}">
+        <p14:creationId xmlns:p14="http://schemas.microsoft.com/office/powerpoint/2010/main" val="253372070"/>
+      </p:ext>
+    </p:extLst>
+  </p:cSld>
+  <p:clrMapOvr>
+    <a:masterClrMapping/>
+  </p:clrMapOvr>
+</p:sld>
+</file>
+
+<file path=ppt/slides/slide3.xml><?xml version="1.0" encoding="utf-8"?>
+<p:sld xmlns:a="http://schemas.openxmlformats.org/drawingml/2006/main" xmlns:r="http://schemas.openxmlformats.org/officeDocument/2006/relationships" xmlns:p="http://schemas.openxmlformats.org/presentationml/2006/main">
+  <p:cSld>
+    <p:spTree>
+      <p:nvGrpSpPr>
+        <p:cNvPr id="1" name=""/>
+        <p:cNvGrpSpPr/>
+        <p:nvPr/>
+      </p:nvGrpSpPr>
+      <p:grpSpPr>
+        <a:xfrm>
+          <a:off x="0" y="0"/>
+          <a:ext cx="0" cy="0"/>
+          <a:chOff x="0" y="0"/>
+          <a:chExt cx="0" cy="0"/>
+        </a:xfrm>
+      </p:grpSpPr>
+      <p:sp>
+        <p:nvSpPr>
+          <p:cNvPr id="4" name="Title 3">
+            <a:extLst>
+              <a:ext uri="{FF2B5EF4-FFF2-40B4-BE49-F238E27FC236}">
                 <a16:creationId xmlns:a16="http://schemas.microsoft.com/office/drawing/2014/main" id="{D0A83573-9D55-B9A5-F4C6-A9791F78B68C}"/>
               </a:ext>
             </a:extLst>

--- a/chapter-01/05-persistentvolumes/01_05_persistentvolumes.pptx
+++ b/chapter-01/05-persistentvolumes/01_05_persistentvolumes.pptx
@@ -259,7 +259,7 @@
           <a:p>
             <a:fld id="{7C2A2C10-8C9F-9B42-9862-A5B84F1CAB8B}" type="datetimeFigureOut">
               <a:rPr lang="en-US" smtClean="0"/>
-              <a:t>4/15/2023</a:t>
+              <a:t>4/16/2023</a:t>
             </a:fld>
             <a:endParaRPr lang="en-US"/>
           </a:p>
@@ -15205,7 +15205,7 @@
           <a:p>
             <a:r>
               <a:rPr lang="en-US" dirty="0"/>
-              <a:t>Persistent volumes</a:t>
+              <a:t>Persistent Volumes</a:t>
             </a:r>
           </a:p>
         </p:txBody>
@@ -15349,7 +15349,7 @@
           <a:p>
             <a:r>
               <a:rPr lang="en-US" dirty="0"/>
-              <a:t>Persistent volumes</a:t>
+              <a:t>Persistent Volumes</a:t>
             </a:r>
           </a:p>
         </p:txBody>
@@ -15878,7 +15878,7 @@
           <a:p>
             <a:r>
               <a:rPr lang="en-US" dirty="0"/>
-              <a:t>Configure the ‘</a:t>
+              <a:t>Configure the Pod named ‘</a:t>
             </a:r>
             <a:r>
               <a:rPr lang="en-US" dirty="0" err="1"/>
@@ -15886,7 +15886,7 @@
             </a:r>
             <a:r>
               <a:rPr lang="en-US" dirty="0"/>
-              <a:t>’ Pod to use the ‘</a:t>
+              <a:t>’ to use the ‘</a:t>
             </a:r>
             <a:r>
               <a:rPr lang="en-US" dirty="0" err="1"/>
@@ -15900,7 +15900,7 @@
           <a:p>
             <a:r>
               <a:rPr lang="en-US" dirty="0"/>
-              <a:t>The base files </a:t>
+              <a:t>The base files ‘</a:t>
             </a:r>
             <a:r>
               <a:rPr lang="en-US" dirty="0" err="1"/>
@@ -15908,7 +15908,7 @@
             </a:r>
             <a:r>
               <a:rPr lang="en-US" dirty="0"/>
-              <a:t>, and  </a:t>
+              <a:t>’ and  ‘</a:t>
             </a:r>
             <a:r>
               <a:rPr lang="en-US" dirty="0" err="1"/>
@@ -15916,7 +15916,7 @@
             </a:r>
             <a:r>
               <a:rPr lang="en-US" dirty="0"/>
-              <a:t> files are provided</a:t>
+              <a:t>’ files are provided</a:t>
             </a:r>
           </a:p>
           <a:p>
